--- a/5.Python_Functions_10_Feb/Functions_in_Python.pptx
+++ b/5.Python_Functions_10_Feb/Functions_in_Python.pptx
@@ -121,181 +121,7 @@
               <a:rPr b="0" lang="en-IN" sz="2000" spc="-1" strike="noStrike">
                 <a:latin typeface="Arial"/>
               </a:rPr>
-              <a:t>C</a:t>
-            </a:r>
-            <a:r>
-              <a:rPr b="0" lang="en-IN" sz="2000" spc="-1" strike="noStrike">
-                <a:latin typeface="Arial"/>
-              </a:rPr>
-              <a:t>l</a:t>
-            </a:r>
-            <a:r>
-              <a:rPr b="0" lang="en-IN" sz="2000" spc="-1" strike="noStrike">
-                <a:latin typeface="Arial"/>
-              </a:rPr>
-              <a:t>i</a:t>
-            </a:r>
-            <a:r>
-              <a:rPr b="0" lang="en-IN" sz="2000" spc="-1" strike="noStrike">
-                <a:latin typeface="Arial"/>
-              </a:rPr>
-              <a:t>c</a:t>
-            </a:r>
-            <a:r>
-              <a:rPr b="0" lang="en-IN" sz="2000" spc="-1" strike="noStrike">
-                <a:latin typeface="Arial"/>
-              </a:rPr>
-              <a:t>k</a:t>
-            </a:r>
-            <a:r>
-              <a:rPr b="0" lang="en-IN" sz="2000" spc="-1" strike="noStrike">
-                <a:latin typeface="Arial"/>
-              </a:rPr>
-              <a:t> </a:t>
-            </a:r>
-            <a:r>
-              <a:rPr b="0" lang="en-IN" sz="2000" spc="-1" strike="noStrike">
-                <a:latin typeface="Arial"/>
-              </a:rPr>
-              <a:t>t</a:t>
-            </a:r>
-            <a:r>
-              <a:rPr b="0" lang="en-IN" sz="2000" spc="-1" strike="noStrike">
-                <a:latin typeface="Arial"/>
-              </a:rPr>
-              <a:t>o</a:t>
-            </a:r>
-            <a:r>
-              <a:rPr b="0" lang="en-IN" sz="2000" spc="-1" strike="noStrike">
-                <a:latin typeface="Arial"/>
-              </a:rPr>
-              <a:t> </a:t>
-            </a:r>
-            <a:r>
-              <a:rPr b="0" lang="en-IN" sz="2000" spc="-1" strike="noStrike">
-                <a:latin typeface="Arial"/>
-              </a:rPr>
-              <a:t>e</a:t>
-            </a:r>
-            <a:r>
-              <a:rPr b="0" lang="en-IN" sz="2000" spc="-1" strike="noStrike">
-                <a:latin typeface="Arial"/>
-              </a:rPr>
-              <a:t>d</a:t>
-            </a:r>
-            <a:r>
-              <a:rPr b="0" lang="en-IN" sz="2000" spc="-1" strike="noStrike">
-                <a:latin typeface="Arial"/>
-              </a:rPr>
-              <a:t>i</a:t>
-            </a:r>
-            <a:r>
-              <a:rPr b="0" lang="en-IN" sz="2000" spc="-1" strike="noStrike">
-                <a:latin typeface="Arial"/>
-              </a:rPr>
-              <a:t>t</a:t>
-            </a:r>
-            <a:r>
-              <a:rPr b="0" lang="en-IN" sz="2000" spc="-1" strike="noStrike">
-                <a:latin typeface="Arial"/>
-              </a:rPr>
-              <a:t> </a:t>
-            </a:r>
-            <a:r>
-              <a:rPr b="0" lang="en-IN" sz="2000" spc="-1" strike="noStrike">
-                <a:latin typeface="Arial"/>
-              </a:rPr>
-              <a:t>t</a:t>
-            </a:r>
-            <a:r>
-              <a:rPr b="0" lang="en-IN" sz="2000" spc="-1" strike="noStrike">
-                <a:latin typeface="Arial"/>
-              </a:rPr>
-              <a:t>h</a:t>
-            </a:r>
-            <a:r>
-              <a:rPr b="0" lang="en-IN" sz="2000" spc="-1" strike="noStrike">
-                <a:latin typeface="Arial"/>
-              </a:rPr>
-              <a:t>e</a:t>
-            </a:r>
-            <a:r>
-              <a:rPr b="0" lang="en-IN" sz="2000" spc="-1" strike="noStrike">
-                <a:latin typeface="Arial"/>
-              </a:rPr>
-              <a:t> </a:t>
-            </a:r>
-            <a:r>
-              <a:rPr b="0" lang="en-IN" sz="2000" spc="-1" strike="noStrike">
-                <a:latin typeface="Arial"/>
-              </a:rPr>
-              <a:t>n</a:t>
-            </a:r>
-            <a:r>
-              <a:rPr b="0" lang="en-IN" sz="2000" spc="-1" strike="noStrike">
-                <a:latin typeface="Arial"/>
-              </a:rPr>
-              <a:t>o</a:t>
-            </a:r>
-            <a:r>
-              <a:rPr b="0" lang="en-IN" sz="2000" spc="-1" strike="noStrike">
-                <a:latin typeface="Arial"/>
-              </a:rPr>
-              <a:t>t</a:t>
-            </a:r>
-            <a:r>
-              <a:rPr b="0" lang="en-IN" sz="2000" spc="-1" strike="noStrike">
-                <a:latin typeface="Arial"/>
-              </a:rPr>
-              <a:t>e</a:t>
-            </a:r>
-            <a:r>
-              <a:rPr b="0" lang="en-IN" sz="2000" spc="-1" strike="noStrike">
-                <a:latin typeface="Arial"/>
-              </a:rPr>
-              <a:t>s</a:t>
-            </a:r>
-            <a:r>
-              <a:rPr b="0" lang="en-IN" sz="2000" spc="-1" strike="noStrike">
-                <a:latin typeface="Arial"/>
-              </a:rPr>
-              <a:t> </a:t>
-            </a:r>
-            <a:r>
-              <a:rPr b="0" lang="en-IN" sz="2000" spc="-1" strike="noStrike">
-                <a:latin typeface="Arial"/>
-              </a:rPr>
-              <a:t>f</a:t>
-            </a:r>
-            <a:r>
-              <a:rPr b="0" lang="en-IN" sz="2000" spc="-1" strike="noStrike">
-                <a:latin typeface="Arial"/>
-              </a:rPr>
-              <a:t>o</a:t>
-            </a:r>
-            <a:r>
-              <a:rPr b="0" lang="en-IN" sz="2000" spc="-1" strike="noStrike">
-                <a:latin typeface="Arial"/>
-              </a:rPr>
-              <a:t>r</a:t>
-            </a:r>
-            <a:r>
-              <a:rPr b="0" lang="en-IN" sz="2000" spc="-1" strike="noStrike">
-                <a:latin typeface="Arial"/>
-              </a:rPr>
-              <a:t>m</a:t>
-            </a:r>
-            <a:r>
-              <a:rPr b="0" lang="en-IN" sz="2000" spc="-1" strike="noStrike">
-                <a:latin typeface="Arial"/>
-              </a:rPr>
-              <a:t>a</a:t>
-            </a:r>
-            <a:r>
-              <a:rPr b="0" lang="en-IN" sz="2000" spc="-1" strike="noStrike">
-                <a:latin typeface="Arial"/>
-              </a:rPr>
-              <a:t>t</a:t>
+              <a:t>Click to edit the notes format</a:t>
             </a:r>
             <a:endParaRPr b="0" lang="en-IN" sz="2000" spc="-1" strike="noStrike">
               <a:latin typeface="Arial"/>
@@ -480,7 +306,7 @@
             <a:pPr algn="r">
               <a:buNone/>
             </a:pPr>
-            <a:fld id="{225FA5EC-7D14-41BD-A42C-316746BEE008}" type="slidenum">
+            <a:fld id="{E359B0F6-C56F-4A64-9CD4-4CD2A9932E49}" type="slidenum">
               <a:rPr b="0" lang="en-IN" sz="1400" spc="-1" strike="noStrike">
                 <a:latin typeface="Times New Roman"/>
               </a:rPr>
@@ -528,7 +354,7 @@
         <p:spPr>
           <a:xfrm>
             <a:off x="685800" y="1143000"/>
-            <a:ext cx="5485680" cy="3085560"/>
+            <a:ext cx="5485320" cy="3085200"/>
           </a:xfrm>
           <a:prstGeom prst="rect">
             <a:avLst/>
@@ -551,7 +377,7 @@
         <p:spPr>
           <a:xfrm>
             <a:off x="685800" y="4400640"/>
-            <a:ext cx="5485680" cy="3599640"/>
+            <a:ext cx="5485320" cy="3599280"/>
           </a:xfrm>
           <a:prstGeom prst="rect">
             <a:avLst/>
@@ -585,7 +411,7 @@
         <p:spPr>
           <a:xfrm>
             <a:off x="3884760" y="8685360"/>
-            <a:ext cx="2971080" cy="457920"/>
+            <a:ext cx="2970720" cy="457560"/>
           </a:xfrm>
           <a:prstGeom prst="rect">
             <a:avLst/>
@@ -621,7 +447,7 @@
               </a:lnSpc>
               <a:buNone/>
             </a:pPr>
-            <a:fld id="{34E8AC7A-FD15-4EEC-AD46-D1C204704761}" type="slidenum">
+            <a:fld id="{C8FCFFDA-A619-4BD2-9D25-B5971369DE99}" type="slidenum">
               <a:rPr b="0" lang="en-US" sz="1200" spc="-1" strike="noStrike">
                 <a:solidFill>
                   <a:srgbClr val="000000"/>
@@ -672,7 +498,7 @@
         <p:spPr>
           <a:xfrm>
             <a:off x="685800" y="1143000"/>
-            <a:ext cx="5485680" cy="3085560"/>
+            <a:ext cx="5485320" cy="3085200"/>
           </a:xfrm>
           <a:prstGeom prst="rect">
             <a:avLst/>
@@ -695,7 +521,7 @@
         <p:spPr>
           <a:xfrm>
             <a:off x="685800" y="4400640"/>
-            <a:ext cx="5485680" cy="3599640"/>
+            <a:ext cx="5485320" cy="3599280"/>
           </a:xfrm>
           <a:prstGeom prst="rect">
             <a:avLst/>
@@ -729,7 +555,7 @@
         <p:spPr>
           <a:xfrm>
             <a:off x="3884760" y="8685360"/>
-            <a:ext cx="2971080" cy="457920"/>
+            <a:ext cx="2970720" cy="457560"/>
           </a:xfrm>
           <a:prstGeom prst="rect">
             <a:avLst/>
@@ -765,7 +591,7 @@
               </a:lnSpc>
               <a:buNone/>
             </a:pPr>
-            <a:fld id="{889E6381-A3B6-4138-9C90-5B9EDEE45D5B}" type="slidenum">
+            <a:fld id="{A017DD2A-E46E-455E-86B2-2DC74EDAF03F}" type="slidenum">
               <a:rPr b="0" lang="en-US" sz="1200" spc="-1" strike="noStrike">
                 <a:solidFill>
                   <a:srgbClr val="000000"/>
@@ -816,7 +642,7 @@
         <p:spPr>
           <a:xfrm>
             <a:off x="685800" y="1143000"/>
-            <a:ext cx="5485680" cy="3085560"/>
+            <a:ext cx="5485320" cy="3085200"/>
           </a:xfrm>
           <a:prstGeom prst="rect">
             <a:avLst/>
@@ -839,7 +665,7 @@
         <p:spPr>
           <a:xfrm>
             <a:off x="685800" y="4400640"/>
-            <a:ext cx="5485680" cy="3599640"/>
+            <a:ext cx="5485320" cy="3599280"/>
           </a:xfrm>
           <a:prstGeom prst="rect">
             <a:avLst/>
@@ -873,7 +699,7 @@
         <p:spPr>
           <a:xfrm>
             <a:off x="3884760" y="8685360"/>
-            <a:ext cx="2971080" cy="457920"/>
+            <a:ext cx="2970720" cy="457560"/>
           </a:xfrm>
           <a:prstGeom prst="rect">
             <a:avLst/>
@@ -909,7 +735,7 @@
               </a:lnSpc>
               <a:buNone/>
             </a:pPr>
-            <a:fld id="{A316CF37-1D98-40E9-B946-CB055CB1F929}" type="slidenum">
+            <a:fld id="{51C225BF-EB9A-4B25-8043-BBC563F4A5D3}" type="slidenum">
               <a:rPr b="0" lang="en-US" sz="1200" spc="-1" strike="noStrike">
                 <a:solidFill>
                   <a:srgbClr val="000000"/>
@@ -960,7 +786,7 @@
         <p:spPr>
           <a:xfrm>
             <a:off x="685800" y="1143000"/>
-            <a:ext cx="5485680" cy="3085560"/>
+            <a:ext cx="5485320" cy="3085200"/>
           </a:xfrm>
           <a:prstGeom prst="rect">
             <a:avLst/>
@@ -983,7 +809,7 @@
         <p:spPr>
           <a:xfrm>
             <a:off x="685800" y="4400640"/>
-            <a:ext cx="5485680" cy="3599640"/>
+            <a:ext cx="5485320" cy="3599280"/>
           </a:xfrm>
           <a:prstGeom prst="rect">
             <a:avLst/>
@@ -1017,7 +843,7 @@
         <p:spPr>
           <a:xfrm>
             <a:off x="3884760" y="8685360"/>
-            <a:ext cx="2971080" cy="457920"/>
+            <a:ext cx="2970720" cy="457560"/>
           </a:xfrm>
           <a:prstGeom prst="rect">
             <a:avLst/>
@@ -1053,7 +879,7 @@
               </a:lnSpc>
               <a:buNone/>
             </a:pPr>
-            <a:fld id="{873385FD-613E-4AF2-AE24-796A48D32B14}" type="slidenum">
+            <a:fld id="{F150632D-C4C3-4159-B806-B16695CE5BBE}" type="slidenum">
               <a:rPr b="0" lang="en-US" sz="1200" spc="-1" strike="noStrike">
                 <a:solidFill>
                   <a:srgbClr val="000000"/>
@@ -1104,7 +930,7 @@
         <p:spPr>
           <a:xfrm>
             <a:off x="685800" y="1143000"/>
-            <a:ext cx="5485680" cy="3085560"/>
+            <a:ext cx="5485320" cy="3085200"/>
           </a:xfrm>
           <a:prstGeom prst="rect">
             <a:avLst/>
@@ -1127,7 +953,7 @@
         <p:spPr>
           <a:xfrm>
             <a:off x="685800" y="4400640"/>
-            <a:ext cx="5485680" cy="3599640"/>
+            <a:ext cx="5485320" cy="3599280"/>
           </a:xfrm>
           <a:prstGeom prst="rect">
             <a:avLst/>
@@ -1161,7 +987,7 @@
         <p:spPr>
           <a:xfrm>
             <a:off x="3884760" y="8685360"/>
-            <a:ext cx="2971080" cy="457920"/>
+            <a:ext cx="2970720" cy="457560"/>
           </a:xfrm>
           <a:prstGeom prst="rect">
             <a:avLst/>
@@ -1197,7 +1023,7 @@
               </a:lnSpc>
               <a:buNone/>
             </a:pPr>
-            <a:fld id="{6A62C946-5DEF-4145-80E8-E839CBD59EE7}" type="slidenum">
+            <a:fld id="{494C2288-AE85-488B-ADEF-2B5B5BDF4375}" type="slidenum">
               <a:rPr b="0" lang="en-US" sz="1200" spc="-1" strike="noStrike">
                 <a:solidFill>
                   <a:srgbClr val="000000"/>
@@ -1248,7 +1074,7 @@
         <p:spPr>
           <a:xfrm>
             <a:off x="685800" y="1143000"/>
-            <a:ext cx="5485680" cy="3085560"/>
+            <a:ext cx="5485320" cy="3085200"/>
           </a:xfrm>
           <a:prstGeom prst="rect">
             <a:avLst/>
@@ -1271,7 +1097,7 @@
         <p:spPr>
           <a:xfrm>
             <a:off x="685800" y="4400640"/>
-            <a:ext cx="5485680" cy="3599640"/>
+            <a:ext cx="5485320" cy="3599280"/>
           </a:xfrm>
           <a:prstGeom prst="rect">
             <a:avLst/>
@@ -1305,7 +1131,7 @@
         <p:spPr>
           <a:xfrm>
             <a:off x="3884760" y="8685360"/>
-            <a:ext cx="2971080" cy="457920"/>
+            <a:ext cx="2970720" cy="457560"/>
           </a:xfrm>
           <a:prstGeom prst="rect">
             <a:avLst/>
@@ -1341,7 +1167,7 @@
               </a:lnSpc>
               <a:buNone/>
             </a:pPr>
-            <a:fld id="{324649FC-A660-4BCF-9CDB-30C37D0FFC58}" type="slidenum">
+            <a:fld id="{471ED8F6-2AB5-404F-A210-2788AAA3E85C}" type="slidenum">
               <a:rPr b="0" lang="en-US" sz="1200" spc="-1" strike="noStrike">
                 <a:solidFill>
                   <a:srgbClr val="000000"/>
@@ -1392,7 +1218,7 @@
         <p:spPr>
           <a:xfrm>
             <a:off x="685800" y="1143000"/>
-            <a:ext cx="5485680" cy="3085560"/>
+            <a:ext cx="5485320" cy="3085200"/>
           </a:xfrm>
           <a:prstGeom prst="rect">
             <a:avLst/>
@@ -1415,7 +1241,7 @@
         <p:spPr>
           <a:xfrm>
             <a:off x="685800" y="4400640"/>
-            <a:ext cx="5485680" cy="3599640"/>
+            <a:ext cx="5485320" cy="3599280"/>
           </a:xfrm>
           <a:prstGeom prst="rect">
             <a:avLst/>
@@ -1449,7 +1275,7 @@
         <p:spPr>
           <a:xfrm>
             <a:off x="3884760" y="8685360"/>
-            <a:ext cx="2971080" cy="457920"/>
+            <a:ext cx="2970720" cy="457560"/>
           </a:xfrm>
           <a:prstGeom prst="rect">
             <a:avLst/>
@@ -1485,7 +1311,7 @@
               </a:lnSpc>
               <a:buNone/>
             </a:pPr>
-            <a:fld id="{D07316F1-B0FB-4752-B983-0C17A0752903}" type="slidenum">
+            <a:fld id="{EBF8FEB9-6286-47F6-B691-3496087A9665}" type="slidenum">
               <a:rPr b="0" lang="en-US" sz="1200" spc="-1" strike="noStrike">
                 <a:solidFill>
                   <a:srgbClr val="000000"/>
@@ -1536,7 +1362,7 @@
         <p:spPr>
           <a:xfrm>
             <a:off x="685800" y="1143000"/>
-            <a:ext cx="5485680" cy="3085560"/>
+            <a:ext cx="5485320" cy="3085200"/>
           </a:xfrm>
           <a:prstGeom prst="rect">
             <a:avLst/>
@@ -1559,7 +1385,7 @@
         <p:spPr>
           <a:xfrm>
             <a:off x="685800" y="4400640"/>
-            <a:ext cx="5485680" cy="3599640"/>
+            <a:ext cx="5485320" cy="3599280"/>
           </a:xfrm>
           <a:prstGeom prst="rect">
             <a:avLst/>
@@ -1593,7 +1419,7 @@
         <p:spPr>
           <a:xfrm>
             <a:off x="3884760" y="8685360"/>
-            <a:ext cx="2971080" cy="457920"/>
+            <a:ext cx="2970720" cy="457560"/>
           </a:xfrm>
           <a:prstGeom prst="rect">
             <a:avLst/>
@@ -1629,7 +1455,7 @@
               </a:lnSpc>
               <a:buNone/>
             </a:pPr>
-            <a:fld id="{01C536DD-70E1-4CDF-BF01-A99B1B55E0F2}" type="slidenum">
+            <a:fld id="{5D4EE052-1CAA-4D9A-98EC-BAADE91B60DD}" type="slidenum">
               <a:rPr b="0" lang="en-US" sz="1200" spc="-1" strike="noStrike">
                 <a:solidFill>
                   <a:srgbClr val="000000"/>
@@ -1680,7 +1506,7 @@
         <p:spPr>
           <a:xfrm>
             <a:off x="685800" y="1143000"/>
-            <a:ext cx="5485680" cy="3085560"/>
+            <a:ext cx="5485320" cy="3085200"/>
           </a:xfrm>
           <a:prstGeom prst="rect">
             <a:avLst/>
@@ -1703,7 +1529,7 @@
         <p:spPr>
           <a:xfrm>
             <a:off x="685800" y="4400640"/>
-            <a:ext cx="5485680" cy="3599640"/>
+            <a:ext cx="5485320" cy="3599280"/>
           </a:xfrm>
           <a:prstGeom prst="rect">
             <a:avLst/>
@@ -1737,7 +1563,7 @@
         <p:spPr>
           <a:xfrm>
             <a:off x="3884760" y="8685360"/>
-            <a:ext cx="2971080" cy="457920"/>
+            <a:ext cx="2970720" cy="457560"/>
           </a:xfrm>
           <a:prstGeom prst="rect">
             <a:avLst/>
@@ -1773,7 +1599,7 @@
               </a:lnSpc>
               <a:buNone/>
             </a:pPr>
-            <a:fld id="{43F9CDDE-DCF5-42B7-A7DF-3954FF65EB30}" type="slidenum">
+            <a:fld id="{5C2F4136-5C56-476F-9E26-1E9F3CFC9621}" type="slidenum">
               <a:rPr b="0" lang="en-US" sz="1200" spc="-1" strike="noStrike">
                 <a:solidFill>
                   <a:srgbClr val="000000"/>
@@ -1824,7 +1650,7 @@
         <p:spPr>
           <a:xfrm>
             <a:off x="685800" y="1143000"/>
-            <a:ext cx="5485680" cy="3085560"/>
+            <a:ext cx="5485320" cy="3085200"/>
           </a:xfrm>
           <a:prstGeom prst="rect">
             <a:avLst/>
@@ -1847,7 +1673,7 @@
         <p:spPr>
           <a:xfrm>
             <a:off x="685800" y="4400640"/>
-            <a:ext cx="5485680" cy="3599640"/>
+            <a:ext cx="5485320" cy="3599280"/>
           </a:xfrm>
           <a:prstGeom prst="rect">
             <a:avLst/>
@@ -1881,7 +1707,7 @@
         <p:spPr>
           <a:xfrm>
             <a:off x="3884760" y="8685360"/>
-            <a:ext cx="2971080" cy="457920"/>
+            <a:ext cx="2970720" cy="457560"/>
           </a:xfrm>
           <a:prstGeom prst="rect">
             <a:avLst/>
@@ -1917,7 +1743,7 @@
               </a:lnSpc>
               <a:buNone/>
             </a:pPr>
-            <a:fld id="{D0158753-31C5-44D2-AD87-B9330846576D}" type="slidenum">
+            <a:fld id="{DCA4F8F4-CCE5-4828-8ACF-1492D7A1BA69}" type="slidenum">
               <a:rPr b="0" lang="en-US" sz="1200" spc="-1" strike="noStrike">
                 <a:solidFill>
                   <a:srgbClr val="000000"/>
@@ -1968,7 +1794,7 @@
         <p:spPr>
           <a:xfrm>
             <a:off x="685800" y="1143000"/>
-            <a:ext cx="5485680" cy="3085560"/>
+            <a:ext cx="5485320" cy="3085200"/>
           </a:xfrm>
           <a:prstGeom prst="rect">
             <a:avLst/>
@@ -1991,7 +1817,7 @@
         <p:spPr>
           <a:xfrm>
             <a:off x="685800" y="4400640"/>
-            <a:ext cx="5485680" cy="3599640"/>
+            <a:ext cx="5485320" cy="3599280"/>
           </a:xfrm>
           <a:prstGeom prst="rect">
             <a:avLst/>
@@ -2025,7 +1851,7 @@
         <p:spPr>
           <a:xfrm>
             <a:off x="3884760" y="8685360"/>
-            <a:ext cx="2971080" cy="457920"/>
+            <a:ext cx="2970720" cy="457560"/>
           </a:xfrm>
           <a:prstGeom prst="rect">
             <a:avLst/>
@@ -2061,7 +1887,7 @@
               </a:lnSpc>
               <a:buNone/>
             </a:pPr>
-            <a:fld id="{A9E3BC9B-3CF8-4C26-A93F-2A05F066E81F}" type="slidenum">
+            <a:fld id="{2870ED62-C432-4084-BB57-925FD924344D}" type="slidenum">
               <a:rPr b="0" lang="en-US" sz="1200" spc="-1" strike="noStrike">
                 <a:solidFill>
                   <a:srgbClr val="000000"/>
@@ -2112,7 +1938,7 @@
         <p:spPr>
           <a:xfrm>
             <a:off x="685800" y="1143000"/>
-            <a:ext cx="5485680" cy="3085560"/>
+            <a:ext cx="5485320" cy="3085200"/>
           </a:xfrm>
           <a:prstGeom prst="rect">
             <a:avLst/>
@@ -2135,7 +1961,7 @@
         <p:spPr>
           <a:xfrm>
             <a:off x="685800" y="4400640"/>
-            <a:ext cx="5485680" cy="3599640"/>
+            <a:ext cx="5485320" cy="3599280"/>
           </a:xfrm>
           <a:prstGeom prst="rect">
             <a:avLst/>
@@ -2169,7 +1995,7 @@
         <p:spPr>
           <a:xfrm>
             <a:off x="3884760" y="8685360"/>
-            <a:ext cx="2971080" cy="457920"/>
+            <a:ext cx="2970720" cy="457560"/>
           </a:xfrm>
           <a:prstGeom prst="rect">
             <a:avLst/>
@@ -2205,7 +2031,7 @@
               </a:lnSpc>
               <a:buNone/>
             </a:pPr>
-            <a:fld id="{9EEDC92F-D870-439D-AB38-C22867403EFB}" type="slidenum">
+            <a:fld id="{609B036C-C7DD-4FFD-A99C-ED7CEFA3E0D5}" type="slidenum">
               <a:rPr b="0" lang="en-US" sz="1200" spc="-1" strike="noStrike">
                 <a:solidFill>
                   <a:srgbClr val="000000"/>
@@ -2256,7 +2082,7 @@
         <p:spPr>
           <a:xfrm>
             <a:off x="685800" y="1143000"/>
-            <a:ext cx="5485680" cy="3085560"/>
+            <a:ext cx="5485320" cy="3085200"/>
           </a:xfrm>
           <a:prstGeom prst="rect">
             <a:avLst/>
@@ -2279,7 +2105,7 @@
         <p:spPr>
           <a:xfrm>
             <a:off x="685800" y="4400640"/>
-            <a:ext cx="5485680" cy="3599640"/>
+            <a:ext cx="5485320" cy="3599280"/>
           </a:xfrm>
           <a:prstGeom prst="rect">
             <a:avLst/>
@@ -2313,7 +2139,7 @@
         <p:spPr>
           <a:xfrm>
             <a:off x="3884760" y="8685360"/>
-            <a:ext cx="2971080" cy="457920"/>
+            <a:ext cx="2970720" cy="457560"/>
           </a:xfrm>
           <a:prstGeom prst="rect">
             <a:avLst/>
@@ -2349,7 +2175,7 @@
               </a:lnSpc>
               <a:buNone/>
             </a:pPr>
-            <a:fld id="{0E6D28DF-AA11-41B5-BB17-CFF4E3D2CE0D}" type="slidenum">
+            <a:fld id="{67A2954B-1D2C-46EE-BE73-8A7A44C13B10}" type="slidenum">
               <a:rPr b="0" lang="en-US" sz="1200" spc="-1" strike="noStrike">
                 <a:solidFill>
                   <a:srgbClr val="000000"/>
@@ -2400,7 +2226,7 @@
         <p:spPr>
           <a:xfrm>
             <a:off x="685800" y="1143000"/>
-            <a:ext cx="5485680" cy="3085560"/>
+            <a:ext cx="5485320" cy="3085200"/>
           </a:xfrm>
           <a:prstGeom prst="rect">
             <a:avLst/>
@@ -2423,7 +2249,7 @@
         <p:spPr>
           <a:xfrm>
             <a:off x="685800" y="4400640"/>
-            <a:ext cx="5485680" cy="3599640"/>
+            <a:ext cx="5485320" cy="3599280"/>
           </a:xfrm>
           <a:prstGeom prst="rect">
             <a:avLst/>
@@ -2457,7 +2283,7 @@
         <p:spPr>
           <a:xfrm>
             <a:off x="3884760" y="8685360"/>
-            <a:ext cx="2971080" cy="457920"/>
+            <a:ext cx="2970720" cy="457560"/>
           </a:xfrm>
           <a:prstGeom prst="rect">
             <a:avLst/>
@@ -2493,7 +2319,7 @@
               </a:lnSpc>
               <a:buNone/>
             </a:pPr>
-            <a:fld id="{21163867-9494-406D-8378-DED2667F4C31}" type="slidenum">
+            <a:fld id="{A15F9D31-FD74-4430-A135-602C6C319FC1}" type="slidenum">
               <a:rPr b="0" lang="en-US" sz="1200" spc="-1" strike="noStrike">
                 <a:solidFill>
                   <a:srgbClr val="000000"/>
@@ -2544,7 +2370,7 @@
         <p:spPr>
           <a:xfrm>
             <a:off x="685800" y="1143000"/>
-            <a:ext cx="5485680" cy="3085560"/>
+            <a:ext cx="5485320" cy="3085200"/>
           </a:xfrm>
           <a:prstGeom prst="rect">
             <a:avLst/>
@@ -2567,7 +2393,7 @@
         <p:spPr>
           <a:xfrm>
             <a:off x="685800" y="4400640"/>
-            <a:ext cx="5485680" cy="3599640"/>
+            <a:ext cx="5485320" cy="3599280"/>
           </a:xfrm>
           <a:prstGeom prst="rect">
             <a:avLst/>
@@ -2601,7 +2427,7 @@
         <p:spPr>
           <a:xfrm>
             <a:off x="3884760" y="8685360"/>
-            <a:ext cx="2971080" cy="457920"/>
+            <a:ext cx="2970720" cy="457560"/>
           </a:xfrm>
           <a:prstGeom prst="rect">
             <a:avLst/>
@@ -2637,7 +2463,7 @@
               </a:lnSpc>
               <a:buNone/>
             </a:pPr>
-            <a:fld id="{8D97A298-47B2-4B97-B969-A9615E9F0818}" type="slidenum">
+            <a:fld id="{34C70B9E-C8E7-4846-8521-A76016203DEE}" type="slidenum">
               <a:rPr b="0" lang="en-US" sz="1200" spc="-1" strike="noStrike">
                 <a:solidFill>
                   <a:srgbClr val="000000"/>
@@ -4241,13 +4067,7 @@
               <a:rPr b="0" lang="en-IN" sz="4400" spc="-1" strike="noStrike">
                 <a:latin typeface="Arial"/>
               </a:rPr>
-              <a:t>Click to edit the </a:t>
-            </a:r>
-            <a:r>
-              <a:rPr b="0" lang="en-IN" sz="4400" spc="-1" strike="noStrike">
-                <a:latin typeface="Arial"/>
-              </a:rPr>
-              <a:t>title text format</a:t>
+              <a:t>Click to edit the title text format</a:t>
             </a:r>
             <a:endParaRPr b="0" lang="en-IN" sz="4400" spc="-1" strike="noStrike">
               <a:latin typeface="Arial"/>
@@ -4491,7 +4311,7 @@
         <p:spPr>
           <a:xfrm>
             <a:off x="457200" y="1645920"/>
-            <a:ext cx="8228880" cy="913680"/>
+            <a:ext cx="8228520" cy="913320"/>
           </a:xfrm>
           <a:prstGeom prst="rect">
             <a:avLst/>
@@ -4546,7 +4366,7 @@
         <p:spPr>
           <a:xfrm>
             <a:off x="457200" y="2743200"/>
-            <a:ext cx="8228880" cy="456480"/>
+            <a:ext cx="8228520" cy="456120"/>
           </a:xfrm>
           <a:prstGeom prst="rect">
             <a:avLst/>
@@ -4601,7 +4421,7 @@
         <p:spPr>
           <a:xfrm>
             <a:off x="457200" y="3657600"/>
-            <a:ext cx="8228880" cy="365040"/>
+            <a:ext cx="8228520" cy="364680"/>
           </a:xfrm>
           <a:prstGeom prst="rect">
             <a:avLst/>
@@ -4693,7 +4513,7 @@
         <p:spPr>
           <a:xfrm>
             <a:off x="457200" y="274320"/>
-            <a:ext cx="8228880" cy="456480"/>
+            <a:ext cx="8228520" cy="456120"/>
           </a:xfrm>
           <a:prstGeom prst="rect">
             <a:avLst/>
@@ -4748,7 +4568,7 @@
         <p:spPr>
           <a:xfrm>
             <a:off x="914400" y="914400"/>
-            <a:ext cx="7314480" cy="639360"/>
+            <a:ext cx="7314120" cy="639000"/>
           </a:xfrm>
           <a:prstGeom prst="rect">
             <a:avLst/>
@@ -4779,7 +4599,7 @@
         <p:spPr>
           <a:xfrm>
             <a:off x="1097280" y="1005840"/>
-            <a:ext cx="6948720" cy="456480"/>
+            <a:ext cx="6948360" cy="456120"/>
           </a:xfrm>
           <a:prstGeom prst="rect">
             <a:avLst/>
@@ -4858,7 +4678,7 @@
         <p:spPr>
           <a:xfrm>
             <a:off x="1371600" y="1737360"/>
-            <a:ext cx="6400080" cy="456480"/>
+            <a:ext cx="6399720" cy="456120"/>
           </a:xfrm>
           <a:prstGeom prst="rect">
             <a:avLst/>
@@ -4886,7 +4706,7 @@
         <p:spPr>
           <a:xfrm>
             <a:off x="1371600" y="1783080"/>
-            <a:ext cx="6400080" cy="365040"/>
+            <a:ext cx="6399720" cy="364680"/>
           </a:xfrm>
           <a:prstGeom prst="rect">
             <a:avLst/>
@@ -4941,7 +4761,7 @@
         <p:spPr>
           <a:xfrm>
             <a:off x="1371600" y="2286000"/>
-            <a:ext cx="6400080" cy="1370880"/>
+            <a:ext cx="6399720" cy="1370520"/>
           </a:xfrm>
           <a:prstGeom prst="rect">
             <a:avLst/>
@@ -4969,7 +4789,7 @@
         <p:spPr>
           <a:xfrm>
             <a:off x="1554480" y="2423160"/>
-            <a:ext cx="6034320" cy="1096560"/>
+            <a:ext cx="6033960" cy="1096200"/>
           </a:xfrm>
           <a:prstGeom prst="rect">
             <a:avLst/>
@@ -5182,7 +5002,7 @@
         <p:spPr>
           <a:xfrm>
             <a:off x="1371600" y="3840480"/>
-            <a:ext cx="6400080" cy="639360"/>
+            <a:ext cx="6399720" cy="639000"/>
           </a:xfrm>
           <a:prstGeom prst="rect">
             <a:avLst/>
@@ -5213,7 +5033,7 @@
         <p:spPr>
           <a:xfrm>
             <a:off x="1554480" y="3931920"/>
-            <a:ext cx="6034320" cy="456480"/>
+            <a:ext cx="6033960" cy="456120"/>
           </a:xfrm>
           <a:prstGeom prst="rect">
             <a:avLst/>
@@ -5383,7 +5203,7 @@
         <p:spPr>
           <a:xfrm>
             <a:off x="457200" y="274320"/>
-            <a:ext cx="8228880" cy="456480"/>
+            <a:ext cx="8228520" cy="456120"/>
           </a:xfrm>
           <a:prstGeom prst="rect">
             <a:avLst/>
@@ -5438,7 +5258,7 @@
         <p:spPr>
           <a:xfrm>
             <a:off x="914400" y="914400"/>
-            <a:ext cx="7314480" cy="639360"/>
+            <a:ext cx="7314120" cy="639000"/>
           </a:xfrm>
           <a:prstGeom prst="rect">
             <a:avLst/>
@@ -5469,7 +5289,7 @@
         <p:spPr>
           <a:xfrm>
             <a:off x="1097280" y="1005840"/>
-            <a:ext cx="6948720" cy="456480"/>
+            <a:ext cx="6948360" cy="456120"/>
           </a:xfrm>
           <a:prstGeom prst="rect">
             <a:avLst/>
@@ -5548,7 +5368,7 @@
         <p:spPr>
           <a:xfrm>
             <a:off x="1371600" y="1737360"/>
-            <a:ext cx="6400080" cy="456480"/>
+            <a:ext cx="6399720" cy="456120"/>
           </a:xfrm>
           <a:prstGeom prst="rect">
             <a:avLst/>
@@ -5576,7 +5396,7 @@
         <p:spPr>
           <a:xfrm>
             <a:off x="1371600" y="1783080"/>
-            <a:ext cx="6400080" cy="365040"/>
+            <a:ext cx="6399720" cy="364680"/>
           </a:xfrm>
           <a:prstGeom prst="rect">
             <a:avLst/>
@@ -5631,7 +5451,7 @@
         <p:spPr>
           <a:xfrm>
             <a:off x="1371600" y="2286000"/>
-            <a:ext cx="6400080" cy="1645200"/>
+            <a:ext cx="6399720" cy="1644840"/>
           </a:xfrm>
           <a:prstGeom prst="rect">
             <a:avLst/>
@@ -5659,7 +5479,7 @@
         <p:spPr>
           <a:xfrm>
             <a:off x="1554480" y="2423160"/>
-            <a:ext cx="6034320" cy="1370880"/>
+            <a:ext cx="6033960" cy="1370520"/>
           </a:xfrm>
           <a:prstGeom prst="rect">
             <a:avLst/>
@@ -5872,7 +5692,7 @@
         <p:spPr>
           <a:xfrm>
             <a:off x="1371600" y="4114800"/>
-            <a:ext cx="6400080" cy="456480"/>
+            <a:ext cx="6399720" cy="456120"/>
           </a:xfrm>
           <a:prstGeom prst="rect">
             <a:avLst/>
@@ -5903,7 +5723,7 @@
         <p:spPr>
           <a:xfrm>
             <a:off x="1554480" y="4187880"/>
-            <a:ext cx="6034320" cy="319320"/>
+            <a:ext cx="6033960" cy="318960"/>
           </a:xfrm>
           <a:prstGeom prst="rect">
             <a:avLst/>
@@ -6005,7 +5825,7 @@
         <p:spPr>
           <a:xfrm>
             <a:off x="457200" y="274320"/>
-            <a:ext cx="8228880" cy="456480"/>
+            <a:ext cx="8228520" cy="456120"/>
           </a:xfrm>
           <a:prstGeom prst="rect">
             <a:avLst/>
@@ -6060,7 +5880,7 @@
         <p:spPr>
           <a:xfrm>
             <a:off x="914400" y="914400"/>
-            <a:ext cx="7314480" cy="730800"/>
+            <a:ext cx="7314120" cy="730440"/>
           </a:xfrm>
           <a:prstGeom prst="rect">
             <a:avLst/>
@@ -6091,7 +5911,7 @@
         <p:spPr>
           <a:xfrm>
             <a:off x="1097280" y="1051560"/>
-            <a:ext cx="6948720" cy="456480"/>
+            <a:ext cx="6948360" cy="456120"/>
           </a:xfrm>
           <a:prstGeom prst="rect">
             <a:avLst/>
@@ -6170,7 +5990,7 @@
         <p:spPr>
           <a:xfrm>
             <a:off x="1371600" y="1828800"/>
-            <a:ext cx="6400080" cy="456480"/>
+            <a:ext cx="6399720" cy="456120"/>
           </a:xfrm>
           <a:prstGeom prst="rect">
             <a:avLst/>
@@ -6198,7 +6018,7 @@
         <p:spPr>
           <a:xfrm>
             <a:off x="1371600" y="1874520"/>
-            <a:ext cx="6400080" cy="365040"/>
+            <a:ext cx="6399720" cy="364680"/>
           </a:xfrm>
           <a:prstGeom prst="rect">
             <a:avLst/>
@@ -6253,7 +6073,7 @@
         <p:spPr>
           <a:xfrm>
             <a:off x="1371600" y="2377440"/>
-            <a:ext cx="6400080" cy="1645200"/>
+            <a:ext cx="6399720" cy="1644840"/>
           </a:xfrm>
           <a:prstGeom prst="rect">
             <a:avLst/>
@@ -6281,7 +6101,7 @@
         <p:spPr>
           <a:xfrm>
             <a:off x="1554480" y="2514600"/>
-            <a:ext cx="6034320" cy="1370880"/>
+            <a:ext cx="6033960" cy="1370520"/>
           </a:xfrm>
           <a:prstGeom prst="rect">
             <a:avLst/>
@@ -6494,7 +6314,7 @@
         <p:spPr>
           <a:xfrm>
             <a:off x="1371600" y="4206240"/>
-            <a:ext cx="6400080" cy="365040"/>
+            <a:ext cx="6399720" cy="364680"/>
           </a:xfrm>
           <a:prstGeom prst="rect">
             <a:avLst/>
@@ -6525,7 +6345,7 @@
         <p:spPr>
           <a:xfrm>
             <a:off x="1554480" y="4279320"/>
-            <a:ext cx="6034320" cy="227880"/>
+            <a:ext cx="6033960" cy="227520"/>
           </a:xfrm>
           <a:prstGeom prst="rect">
             <a:avLst/>
@@ -6627,7 +6447,7 @@
         <p:spPr>
           <a:xfrm>
             <a:off x="457200" y="274320"/>
-            <a:ext cx="8228880" cy="456480"/>
+            <a:ext cx="8228520" cy="456120"/>
           </a:xfrm>
           <a:prstGeom prst="rect">
             <a:avLst/>
@@ -6681,8 +6501,8 @@
         </p:nvSpPr>
         <p:spPr>
           <a:xfrm>
-            <a:off x="914400" y="914400"/>
-            <a:ext cx="7314480" cy="730800"/>
+            <a:off x="720000" y="889560"/>
+            <a:ext cx="7314120" cy="730440"/>
           </a:xfrm>
           <a:prstGeom prst="rect">
             <a:avLst/>
@@ -6713,7 +6533,7 @@
         <p:spPr>
           <a:xfrm>
             <a:off x="1097280" y="1051560"/>
-            <a:ext cx="6948720" cy="456480"/>
+            <a:ext cx="6948360" cy="456120"/>
           </a:xfrm>
           <a:prstGeom prst="rect">
             <a:avLst/>
@@ -6792,7 +6612,7 @@
         <p:spPr>
           <a:xfrm>
             <a:off x="1828800" y="1783080"/>
-            <a:ext cx="5485680" cy="273600"/>
+            <a:ext cx="5485320" cy="273240"/>
           </a:xfrm>
           <a:prstGeom prst="rect">
             <a:avLst/>
@@ -6847,7 +6667,7 @@
         <p:spPr>
           <a:xfrm>
             <a:off x="1371600" y="2194560"/>
-            <a:ext cx="6400080" cy="456480"/>
+            <a:ext cx="6399720" cy="456120"/>
           </a:xfrm>
           <a:prstGeom prst="rect">
             <a:avLst/>
@@ -6875,7 +6695,7 @@
         <p:spPr>
           <a:xfrm>
             <a:off x="1371600" y="2240280"/>
-            <a:ext cx="6400080" cy="365040"/>
+            <a:ext cx="6399720" cy="364680"/>
           </a:xfrm>
           <a:prstGeom prst="rect">
             <a:avLst/>
@@ -6930,7 +6750,7 @@
         <p:spPr>
           <a:xfrm>
             <a:off x="1371600" y="2743200"/>
-            <a:ext cx="6400080" cy="1645200"/>
+            <a:ext cx="6399720" cy="1644840"/>
           </a:xfrm>
           <a:prstGeom prst="rect">
             <a:avLst/>
@@ -6958,7 +6778,7 @@
         <p:spPr>
           <a:xfrm>
             <a:off x="1554480" y="2880360"/>
-            <a:ext cx="6034320" cy="1370880"/>
+            <a:ext cx="6033960" cy="1370520"/>
           </a:xfrm>
           <a:prstGeom prst="rect">
             <a:avLst/>
@@ -7232,7 +7052,7 @@
         <p:spPr>
           <a:xfrm>
             <a:off x="457200" y="274320"/>
-            <a:ext cx="8228880" cy="456480"/>
+            <a:ext cx="8228520" cy="456120"/>
           </a:xfrm>
           <a:prstGeom prst="rect">
             <a:avLst/>
@@ -7287,7 +7107,7 @@
         <p:spPr>
           <a:xfrm>
             <a:off x="914400" y="914400"/>
-            <a:ext cx="7314480" cy="730800"/>
+            <a:ext cx="7314120" cy="730440"/>
           </a:xfrm>
           <a:prstGeom prst="rect">
             <a:avLst/>
@@ -7318,7 +7138,7 @@
         <p:spPr>
           <a:xfrm>
             <a:off x="1097280" y="1051560"/>
-            <a:ext cx="6948720" cy="456480"/>
+            <a:ext cx="6948360" cy="456120"/>
           </a:xfrm>
           <a:prstGeom prst="rect">
             <a:avLst/>
@@ -7397,7 +7217,7 @@
         <p:spPr>
           <a:xfrm>
             <a:off x="1828800" y="1783080"/>
-            <a:ext cx="5485680" cy="273600"/>
+            <a:ext cx="5485320" cy="273240"/>
           </a:xfrm>
           <a:prstGeom prst="rect">
             <a:avLst/>
@@ -7452,7 +7272,7 @@
         <p:spPr>
           <a:xfrm>
             <a:off x="1371600" y="2194560"/>
-            <a:ext cx="6400080" cy="456480"/>
+            <a:ext cx="6399720" cy="456120"/>
           </a:xfrm>
           <a:prstGeom prst="rect">
             <a:avLst/>
@@ -7480,7 +7300,7 @@
         <p:spPr>
           <a:xfrm>
             <a:off x="1371600" y="2240280"/>
-            <a:ext cx="6400080" cy="365040"/>
+            <a:ext cx="6399720" cy="364680"/>
           </a:xfrm>
           <a:prstGeom prst="rect">
             <a:avLst/>
@@ -7535,7 +7355,7 @@
         <p:spPr>
           <a:xfrm>
             <a:off x="1371600" y="2743200"/>
-            <a:ext cx="6400080" cy="1736640"/>
+            <a:ext cx="6399720" cy="1736280"/>
           </a:xfrm>
           <a:prstGeom prst="rect">
             <a:avLst/>
@@ -7563,7 +7383,7 @@
         <p:spPr>
           <a:xfrm>
             <a:off x="1554480" y="2880360"/>
-            <a:ext cx="6034320" cy="1462320"/>
+            <a:ext cx="6033960" cy="1461960"/>
           </a:xfrm>
           <a:prstGeom prst="rect">
             <a:avLst/>
@@ -7871,7 +7691,7 @@
         <p:spPr>
           <a:xfrm>
             <a:off x="457200" y="365760"/>
-            <a:ext cx="8228880" cy="547920"/>
+            <a:ext cx="8228520" cy="547560"/>
           </a:xfrm>
           <a:prstGeom prst="rect">
             <a:avLst/>
@@ -7926,7 +7746,7 @@
         <p:spPr>
           <a:xfrm>
             <a:off x="731520" y="1069920"/>
-            <a:ext cx="319320" cy="319320"/>
+            <a:ext cx="318960" cy="318960"/>
           </a:xfrm>
           <a:prstGeom prst="ellipse">
             <a:avLst/>
@@ -7954,7 +7774,7 @@
         <p:spPr>
           <a:xfrm>
             <a:off x="731520" y="1069920"/>
-            <a:ext cx="319320" cy="319320"/>
+            <a:ext cx="318960" cy="318960"/>
           </a:xfrm>
           <a:prstGeom prst="rect">
             <a:avLst/>
@@ -8009,7 +7829,7 @@
         <p:spPr>
           <a:xfrm>
             <a:off x="1188720" y="1097280"/>
-            <a:ext cx="7040160" cy="273600"/>
+            <a:ext cx="7039800" cy="273240"/>
           </a:xfrm>
           <a:prstGeom prst="rect">
             <a:avLst/>
@@ -8064,7 +7884,7 @@
         <p:spPr>
           <a:xfrm>
             <a:off x="731520" y="1389960"/>
-            <a:ext cx="319320" cy="319320"/>
+            <a:ext cx="318960" cy="318960"/>
           </a:xfrm>
           <a:prstGeom prst="ellipse">
             <a:avLst/>
@@ -8092,7 +7912,7 @@
         <p:spPr>
           <a:xfrm>
             <a:off x="731520" y="1389960"/>
-            <a:ext cx="319320" cy="319320"/>
+            <a:ext cx="318960" cy="318960"/>
           </a:xfrm>
           <a:prstGeom prst="rect">
             <a:avLst/>
@@ -8147,7 +7967,7 @@
         <p:spPr>
           <a:xfrm>
             <a:off x="1188720" y="1417320"/>
-            <a:ext cx="7040160" cy="273600"/>
+            <a:ext cx="7039800" cy="273240"/>
           </a:xfrm>
           <a:prstGeom prst="rect">
             <a:avLst/>
@@ -8202,7 +8022,7 @@
         <p:spPr>
           <a:xfrm>
             <a:off x="731520" y="1710000"/>
-            <a:ext cx="319320" cy="319320"/>
+            <a:ext cx="318960" cy="318960"/>
           </a:xfrm>
           <a:prstGeom prst="ellipse">
             <a:avLst/>
@@ -8230,7 +8050,7 @@
         <p:spPr>
           <a:xfrm>
             <a:off x="731520" y="1710000"/>
-            <a:ext cx="319320" cy="319320"/>
+            <a:ext cx="318960" cy="318960"/>
           </a:xfrm>
           <a:prstGeom prst="rect">
             <a:avLst/>
@@ -8285,7 +8105,7 @@
         <p:spPr>
           <a:xfrm>
             <a:off x="1188720" y="1737360"/>
-            <a:ext cx="7040160" cy="273600"/>
+            <a:ext cx="7039800" cy="273240"/>
           </a:xfrm>
           <a:prstGeom prst="rect">
             <a:avLst/>
@@ -8340,7 +8160,7 @@
         <p:spPr>
           <a:xfrm>
             <a:off x="731520" y="2030040"/>
-            <a:ext cx="319320" cy="319320"/>
+            <a:ext cx="318960" cy="318960"/>
           </a:xfrm>
           <a:prstGeom prst="ellipse">
             <a:avLst/>
@@ -8368,7 +8188,7 @@
         <p:spPr>
           <a:xfrm>
             <a:off x="731520" y="2030040"/>
-            <a:ext cx="319320" cy="319320"/>
+            <a:ext cx="318960" cy="318960"/>
           </a:xfrm>
           <a:prstGeom prst="rect">
             <a:avLst/>
@@ -8423,7 +8243,7 @@
         <p:spPr>
           <a:xfrm>
             <a:off x="1188720" y="2057400"/>
-            <a:ext cx="7040160" cy="273600"/>
+            <a:ext cx="7039800" cy="273240"/>
           </a:xfrm>
           <a:prstGeom prst="rect">
             <a:avLst/>
@@ -8478,7 +8298,7 @@
         <p:spPr>
           <a:xfrm>
             <a:off x="731520" y="2350080"/>
-            <a:ext cx="319320" cy="319320"/>
+            <a:ext cx="318960" cy="318960"/>
           </a:xfrm>
           <a:prstGeom prst="ellipse">
             <a:avLst/>
@@ -8506,7 +8326,7 @@
         <p:spPr>
           <a:xfrm>
             <a:off x="731520" y="2350080"/>
-            <a:ext cx="319320" cy="319320"/>
+            <a:ext cx="318960" cy="318960"/>
           </a:xfrm>
           <a:prstGeom prst="rect">
             <a:avLst/>
@@ -8561,7 +8381,7 @@
         <p:spPr>
           <a:xfrm>
             <a:off x="1188720" y="2377440"/>
-            <a:ext cx="7040160" cy="273600"/>
+            <a:ext cx="7039800" cy="273240"/>
           </a:xfrm>
           <a:prstGeom prst="rect">
             <a:avLst/>
@@ -8616,7 +8436,7 @@
         <p:spPr>
           <a:xfrm>
             <a:off x="731520" y="2670120"/>
-            <a:ext cx="319320" cy="319320"/>
+            <a:ext cx="318960" cy="318960"/>
           </a:xfrm>
           <a:prstGeom prst="ellipse">
             <a:avLst/>
@@ -8644,7 +8464,7 @@
         <p:spPr>
           <a:xfrm>
             <a:off x="731520" y="2670120"/>
-            <a:ext cx="319320" cy="319320"/>
+            <a:ext cx="318960" cy="318960"/>
           </a:xfrm>
           <a:prstGeom prst="rect">
             <a:avLst/>
@@ -8699,7 +8519,7 @@
         <p:spPr>
           <a:xfrm>
             <a:off x="1188720" y="2697480"/>
-            <a:ext cx="7040160" cy="273600"/>
+            <a:ext cx="7039800" cy="273240"/>
           </a:xfrm>
           <a:prstGeom prst="rect">
             <a:avLst/>
@@ -8754,7 +8574,7 @@
         <p:spPr>
           <a:xfrm>
             <a:off x="731520" y="2990160"/>
-            <a:ext cx="319320" cy="319320"/>
+            <a:ext cx="318960" cy="318960"/>
           </a:xfrm>
           <a:prstGeom prst="ellipse">
             <a:avLst/>
@@ -8782,7 +8602,7 @@
         <p:spPr>
           <a:xfrm>
             <a:off x="731520" y="2990160"/>
-            <a:ext cx="319320" cy="319320"/>
+            <a:ext cx="318960" cy="318960"/>
           </a:xfrm>
           <a:prstGeom prst="rect">
             <a:avLst/>
@@ -8837,7 +8657,7 @@
         <p:spPr>
           <a:xfrm>
             <a:off x="1188720" y="3017520"/>
-            <a:ext cx="7040160" cy="273600"/>
+            <a:ext cx="7039800" cy="273240"/>
           </a:xfrm>
           <a:prstGeom prst="rect">
             <a:avLst/>
@@ -8892,7 +8712,7 @@
         <p:spPr>
           <a:xfrm>
             <a:off x="731520" y="3310200"/>
-            <a:ext cx="319320" cy="319320"/>
+            <a:ext cx="318960" cy="318960"/>
           </a:xfrm>
           <a:prstGeom prst="ellipse">
             <a:avLst/>
@@ -8920,7 +8740,7 @@
         <p:spPr>
           <a:xfrm>
             <a:off x="731520" y="3310200"/>
-            <a:ext cx="319320" cy="319320"/>
+            <a:ext cx="318960" cy="318960"/>
           </a:xfrm>
           <a:prstGeom prst="rect">
             <a:avLst/>
@@ -8975,7 +8795,7 @@
         <p:spPr>
           <a:xfrm>
             <a:off x="1188720" y="3337560"/>
-            <a:ext cx="7040160" cy="273600"/>
+            <a:ext cx="7039800" cy="273240"/>
           </a:xfrm>
           <a:prstGeom prst="rect">
             <a:avLst/>
@@ -9030,7 +8850,7 @@
         <p:spPr>
           <a:xfrm>
             <a:off x="731520" y="3630240"/>
-            <a:ext cx="319320" cy="319320"/>
+            <a:ext cx="318960" cy="318960"/>
           </a:xfrm>
           <a:prstGeom prst="ellipse">
             <a:avLst/>
@@ -9058,7 +8878,7 @@
         <p:spPr>
           <a:xfrm>
             <a:off x="731520" y="3630240"/>
-            <a:ext cx="319320" cy="319320"/>
+            <a:ext cx="318960" cy="318960"/>
           </a:xfrm>
           <a:prstGeom prst="rect">
             <a:avLst/>
@@ -9113,7 +8933,7 @@
         <p:spPr>
           <a:xfrm>
             <a:off x="1188720" y="3657600"/>
-            <a:ext cx="7040160" cy="273600"/>
+            <a:ext cx="7039800" cy="273240"/>
           </a:xfrm>
           <a:prstGeom prst="rect">
             <a:avLst/>
@@ -9168,7 +8988,7 @@
         <p:spPr>
           <a:xfrm>
             <a:off x="731520" y="3950280"/>
-            <a:ext cx="319320" cy="319320"/>
+            <a:ext cx="318960" cy="318960"/>
           </a:xfrm>
           <a:prstGeom prst="ellipse">
             <a:avLst/>
@@ -9196,7 +9016,7 @@
         <p:spPr>
           <a:xfrm>
             <a:off x="731520" y="3950280"/>
-            <a:ext cx="319320" cy="319320"/>
+            <a:ext cx="318960" cy="318960"/>
           </a:xfrm>
           <a:prstGeom prst="rect">
             <a:avLst/>
@@ -9251,7 +9071,7 @@
         <p:spPr>
           <a:xfrm>
             <a:off x="1188720" y="3977640"/>
-            <a:ext cx="7040160" cy="273600"/>
+            <a:ext cx="7039800" cy="273240"/>
           </a:xfrm>
           <a:prstGeom prst="rect">
             <a:avLst/>
@@ -9306,7 +9126,7 @@
         <p:spPr>
           <a:xfrm>
             <a:off x="457200" y="4297680"/>
-            <a:ext cx="8228880" cy="365040"/>
+            <a:ext cx="8228520" cy="364680"/>
           </a:xfrm>
           <a:prstGeom prst="rect">
             <a:avLst/>
@@ -9398,7 +9218,7 @@
         <p:spPr>
           <a:xfrm>
             <a:off x="457200" y="274320"/>
-            <a:ext cx="8228880" cy="456480"/>
+            <a:ext cx="8228520" cy="456120"/>
           </a:xfrm>
           <a:prstGeom prst="rect">
             <a:avLst/>
@@ -9453,7 +9273,7 @@
         <p:spPr>
           <a:xfrm>
             <a:off x="914400" y="914400"/>
-            <a:ext cx="7314480" cy="913680"/>
+            <a:ext cx="7314120" cy="913320"/>
           </a:xfrm>
           <a:prstGeom prst="rect">
             <a:avLst/>
@@ -9484,7 +9304,7 @@
         <p:spPr>
           <a:xfrm>
             <a:off x="1188720" y="1097280"/>
-            <a:ext cx="6765840" cy="547920"/>
+            <a:ext cx="6765480" cy="547560"/>
           </a:xfrm>
           <a:prstGeom prst="rect">
             <a:avLst/>
@@ -9563,7 +9383,7 @@
         <p:spPr>
           <a:xfrm>
             <a:off x="914400" y="2011680"/>
-            <a:ext cx="7314480" cy="273600"/>
+            <a:ext cx="7314120" cy="273240"/>
           </a:xfrm>
           <a:prstGeom prst="rect">
             <a:avLst/>
@@ -9618,7 +9438,7 @@
         <p:spPr>
           <a:xfrm>
             <a:off x="1371600" y="2377440"/>
-            <a:ext cx="3199680" cy="1096560"/>
+            <a:ext cx="3199320" cy="1096200"/>
           </a:xfrm>
           <a:prstGeom prst="rect">
             <a:avLst/>
@@ -9646,7 +9466,7 @@
         <p:spPr>
           <a:xfrm>
             <a:off x="1486080" y="2520000"/>
-            <a:ext cx="2833920" cy="822240"/>
+            <a:ext cx="2833560" cy="821880"/>
           </a:xfrm>
           <a:prstGeom prst="rect">
             <a:avLst/>
@@ -9837,7 +9657,7 @@
         <p:spPr>
           <a:xfrm>
             <a:off x="4663440" y="2880360"/>
-            <a:ext cx="273600" cy="136440"/>
+            <a:ext cx="273240" cy="136080"/>
           </a:xfrm>
           <a:prstGeom prst="rightArrow">
             <a:avLst>
@@ -9868,7 +9688,7 @@
         <p:spPr>
           <a:xfrm>
             <a:off x="5029200" y="2651760"/>
-            <a:ext cx="3199680" cy="639360"/>
+            <a:ext cx="3199320" cy="639000"/>
           </a:xfrm>
           <a:prstGeom prst="rect">
             <a:avLst/>
@@ -9947,7 +9767,7 @@
         <p:spPr>
           <a:xfrm>
             <a:off x="5029200" y="3383280"/>
-            <a:ext cx="3199680" cy="456480"/>
+            <a:ext cx="3199320" cy="456120"/>
           </a:xfrm>
           <a:prstGeom prst="rect">
             <a:avLst/>
@@ -9975,7 +9795,7 @@
         <p:spPr>
           <a:xfrm>
             <a:off x="5212080" y="3474720"/>
-            <a:ext cx="2833920" cy="273600"/>
+            <a:ext cx="2833560" cy="273240"/>
           </a:xfrm>
           <a:prstGeom prst="rect">
             <a:avLst/>
@@ -10091,7 +9911,7 @@
         <p:spPr>
           <a:xfrm>
             <a:off x="457200" y="274320"/>
-            <a:ext cx="8228880" cy="456480"/>
+            <a:ext cx="8228520" cy="456120"/>
           </a:xfrm>
           <a:prstGeom prst="rect">
             <a:avLst/>
@@ -10146,7 +9966,7 @@
         <p:spPr>
           <a:xfrm>
             <a:off x="822960" y="887040"/>
-            <a:ext cx="319320" cy="319320"/>
+            <a:ext cx="318960" cy="318960"/>
           </a:xfrm>
           <a:prstGeom prst="ellipse">
             <a:avLst/>
@@ -10174,7 +9994,7 @@
         <p:spPr>
           <a:xfrm>
             <a:off x="822960" y="887040"/>
-            <a:ext cx="319320" cy="319320"/>
+            <a:ext cx="318960" cy="318960"/>
           </a:xfrm>
           <a:prstGeom prst="rect">
             <a:avLst/>
@@ -10229,7 +10049,7 @@
         <p:spPr>
           <a:xfrm>
             <a:off x="1280160" y="914400"/>
-            <a:ext cx="6948720" cy="227880"/>
+            <a:ext cx="6948360" cy="227520"/>
           </a:xfrm>
           <a:prstGeom prst="rect">
             <a:avLst/>
@@ -10294,7 +10114,7 @@
         <p:spPr>
           <a:xfrm>
             <a:off x="1280160" y="1161360"/>
-            <a:ext cx="6948720" cy="456480"/>
+            <a:ext cx="6948360" cy="456120"/>
           </a:xfrm>
           <a:prstGeom prst="rect">
             <a:avLst/>
@@ -10349,7 +10169,7 @@
         <p:spPr>
           <a:xfrm>
             <a:off x="822960" y="1636920"/>
-            <a:ext cx="319320" cy="319320"/>
+            <a:ext cx="318960" cy="318960"/>
           </a:xfrm>
           <a:prstGeom prst="ellipse">
             <a:avLst/>
@@ -10377,7 +10197,7 @@
         <p:spPr>
           <a:xfrm>
             <a:off x="822960" y="1636920"/>
-            <a:ext cx="319320" cy="319320"/>
+            <a:ext cx="318960" cy="318960"/>
           </a:xfrm>
           <a:prstGeom prst="rect">
             <a:avLst/>
@@ -10432,7 +10252,7 @@
         <p:spPr>
           <a:xfrm>
             <a:off x="1280160" y="1664280"/>
-            <a:ext cx="6948720" cy="227880"/>
+            <a:ext cx="6948360" cy="227520"/>
           </a:xfrm>
           <a:prstGeom prst="rect">
             <a:avLst/>
@@ -10497,7 +10317,7 @@
         <p:spPr>
           <a:xfrm>
             <a:off x="1280160" y="1911240"/>
-            <a:ext cx="6948720" cy="456480"/>
+            <a:ext cx="6948360" cy="456120"/>
           </a:xfrm>
           <a:prstGeom prst="rect">
             <a:avLst/>
@@ -10552,7 +10372,7 @@
         <p:spPr>
           <a:xfrm>
             <a:off x="822960" y="2386440"/>
-            <a:ext cx="319320" cy="319320"/>
+            <a:ext cx="318960" cy="318960"/>
           </a:xfrm>
           <a:prstGeom prst="ellipse">
             <a:avLst/>
@@ -10580,7 +10400,7 @@
         <p:spPr>
           <a:xfrm>
             <a:off x="822960" y="2386440"/>
-            <a:ext cx="319320" cy="319320"/>
+            <a:ext cx="318960" cy="318960"/>
           </a:xfrm>
           <a:prstGeom prst="rect">
             <a:avLst/>
@@ -10635,7 +10455,7 @@
         <p:spPr>
           <a:xfrm>
             <a:off x="1280160" y="2414160"/>
-            <a:ext cx="6948720" cy="227880"/>
+            <a:ext cx="6948360" cy="227520"/>
           </a:xfrm>
           <a:prstGeom prst="rect">
             <a:avLst/>
@@ -10700,7 +10520,7 @@
         <p:spPr>
           <a:xfrm>
             <a:off x="1280160" y="2660760"/>
-            <a:ext cx="6948720" cy="456480"/>
+            <a:ext cx="6948360" cy="456120"/>
           </a:xfrm>
           <a:prstGeom prst="rect">
             <a:avLst/>
@@ -10755,7 +10575,7 @@
         <p:spPr>
           <a:xfrm>
             <a:off x="822960" y="3136320"/>
-            <a:ext cx="319320" cy="319320"/>
+            <a:ext cx="318960" cy="318960"/>
           </a:xfrm>
           <a:prstGeom prst="ellipse">
             <a:avLst/>
@@ -10783,7 +10603,7 @@
         <p:spPr>
           <a:xfrm>
             <a:off x="822960" y="3136320"/>
-            <a:ext cx="319320" cy="319320"/>
+            <a:ext cx="318960" cy="318960"/>
           </a:xfrm>
           <a:prstGeom prst="rect">
             <a:avLst/>
@@ -10838,7 +10658,7 @@
         <p:spPr>
           <a:xfrm>
             <a:off x="1280160" y="3163680"/>
-            <a:ext cx="6948720" cy="227880"/>
+            <a:ext cx="6948360" cy="227520"/>
           </a:xfrm>
           <a:prstGeom prst="rect">
             <a:avLst/>
@@ -10903,7 +10723,7 @@
         <p:spPr>
           <a:xfrm>
             <a:off x="1280160" y="3410640"/>
-            <a:ext cx="6948720" cy="456480"/>
+            <a:ext cx="6948360" cy="456120"/>
           </a:xfrm>
           <a:prstGeom prst="rect">
             <a:avLst/>
@@ -10958,7 +10778,7 @@
         <p:spPr>
           <a:xfrm>
             <a:off x="822960" y="3886200"/>
-            <a:ext cx="319320" cy="319320"/>
+            <a:ext cx="318960" cy="318960"/>
           </a:xfrm>
           <a:prstGeom prst="ellipse">
             <a:avLst/>
@@ -10986,7 +10806,7 @@
         <p:spPr>
           <a:xfrm>
             <a:off x="822960" y="3886200"/>
-            <a:ext cx="319320" cy="319320"/>
+            <a:ext cx="318960" cy="318960"/>
           </a:xfrm>
           <a:prstGeom prst="rect">
             <a:avLst/>
@@ -11041,7 +10861,7 @@
         <p:spPr>
           <a:xfrm>
             <a:off x="1280160" y="3913560"/>
-            <a:ext cx="6948720" cy="227880"/>
+            <a:ext cx="6948360" cy="227520"/>
           </a:xfrm>
           <a:prstGeom prst="rect">
             <a:avLst/>
@@ -11106,7 +10926,7 @@
         <p:spPr>
           <a:xfrm>
             <a:off x="1280160" y="4160520"/>
-            <a:ext cx="6948720" cy="456480"/>
+            <a:ext cx="6948360" cy="456120"/>
           </a:xfrm>
           <a:prstGeom prst="rect">
             <a:avLst/>
@@ -11198,7 +11018,7 @@
         <p:spPr>
           <a:xfrm>
             <a:off x="457200" y="274320"/>
-            <a:ext cx="8228880" cy="456480"/>
+            <a:ext cx="8228520" cy="456120"/>
           </a:xfrm>
           <a:prstGeom prst="rect">
             <a:avLst/>
@@ -11253,7 +11073,7 @@
         <p:spPr>
           <a:xfrm>
             <a:off x="914400" y="914400"/>
-            <a:ext cx="7314480" cy="456480"/>
+            <a:ext cx="7314120" cy="456120"/>
           </a:xfrm>
           <a:prstGeom prst="rect">
             <a:avLst/>
@@ -11281,7 +11101,7 @@
         <p:spPr>
           <a:xfrm>
             <a:off x="914400" y="960120"/>
-            <a:ext cx="7314480" cy="365040"/>
+            <a:ext cx="7314120" cy="364680"/>
           </a:xfrm>
           <a:prstGeom prst="rect">
             <a:avLst/>
@@ -11346,7 +11166,7 @@
         <p:spPr>
           <a:xfrm>
             <a:off x="914400" y="1463040"/>
-            <a:ext cx="7314480" cy="1188000"/>
+            <a:ext cx="7314120" cy="1187640"/>
           </a:xfrm>
           <a:prstGeom prst="rect">
             <a:avLst/>
@@ -11377,7 +11197,7 @@
         <p:spPr>
           <a:xfrm>
             <a:off x="1188720" y="1600200"/>
-            <a:ext cx="6765840" cy="273600"/>
+            <a:ext cx="6765480" cy="273240"/>
           </a:xfrm>
           <a:prstGeom prst="rect">
             <a:avLst/>
@@ -11432,7 +11252,7 @@
         <p:spPr>
           <a:xfrm>
             <a:off x="1188720" y="1920240"/>
-            <a:ext cx="6765840" cy="456480"/>
+            <a:ext cx="6765480" cy="456120"/>
           </a:xfrm>
           <a:prstGeom prst="rect">
             <a:avLst/>
@@ -11487,7 +11307,7 @@
         <p:spPr>
           <a:xfrm>
             <a:off x="1371600" y="2377440"/>
-            <a:ext cx="6400080" cy="136440"/>
+            <a:ext cx="6399720" cy="136080"/>
           </a:xfrm>
           <a:prstGeom prst="rect">
             <a:avLst/>
@@ -11515,7 +11335,7 @@
         <p:spPr>
           <a:xfrm>
             <a:off x="1554480" y="2395800"/>
-            <a:ext cx="6034320" cy="99720"/>
+            <a:ext cx="6033960" cy="99360"/>
           </a:xfrm>
           <a:prstGeom prst="rect">
             <a:avLst/>
@@ -11570,7 +11390,7 @@
         <p:spPr>
           <a:xfrm>
             <a:off x="914400" y="2834640"/>
-            <a:ext cx="7314480" cy="456480"/>
+            <a:ext cx="7314120" cy="456120"/>
           </a:xfrm>
           <a:prstGeom prst="rect">
             <a:avLst/>
@@ -11598,7 +11418,7 @@
         <p:spPr>
           <a:xfrm>
             <a:off x="914400" y="2880360"/>
-            <a:ext cx="7314480" cy="365040"/>
+            <a:ext cx="7314120" cy="364680"/>
           </a:xfrm>
           <a:prstGeom prst="rect">
             <a:avLst/>
@@ -11663,7 +11483,7 @@
         <p:spPr>
           <a:xfrm>
             <a:off x="914400" y="3383280"/>
-            <a:ext cx="7314480" cy="1188000"/>
+            <a:ext cx="7314120" cy="1187640"/>
           </a:xfrm>
           <a:prstGeom prst="rect">
             <a:avLst/>
@@ -11694,7 +11514,7 @@
         <p:spPr>
           <a:xfrm>
             <a:off x="1188720" y="3520440"/>
-            <a:ext cx="6765840" cy="273600"/>
+            <a:ext cx="6765480" cy="273240"/>
           </a:xfrm>
           <a:prstGeom prst="rect">
             <a:avLst/>
@@ -11749,7 +11569,7 @@
         <p:spPr>
           <a:xfrm>
             <a:off x="1188720" y="3840480"/>
-            <a:ext cx="6765840" cy="456480"/>
+            <a:ext cx="6765480" cy="456120"/>
           </a:xfrm>
           <a:prstGeom prst="rect">
             <a:avLst/>
@@ -11804,7 +11624,7 @@
         <p:spPr>
           <a:xfrm>
             <a:off x="1371600" y="4297680"/>
-            <a:ext cx="6400080" cy="136440"/>
+            <a:ext cx="6399720" cy="136080"/>
           </a:xfrm>
           <a:prstGeom prst="rect">
             <a:avLst/>
@@ -11832,7 +11652,7 @@
         <p:spPr>
           <a:xfrm>
             <a:off x="1554480" y="4316040"/>
-            <a:ext cx="6034320" cy="99720"/>
+            <a:ext cx="6033960" cy="99360"/>
           </a:xfrm>
           <a:prstGeom prst="rect">
             <a:avLst/>
@@ -11924,7 +11744,7 @@
         <p:spPr>
           <a:xfrm>
             <a:off x="457200" y="274320"/>
-            <a:ext cx="8228880" cy="456480"/>
+            <a:ext cx="8228520" cy="456120"/>
           </a:xfrm>
           <a:prstGeom prst="rect">
             <a:avLst/>
@@ -11979,7 +11799,7 @@
         <p:spPr>
           <a:xfrm>
             <a:off x="731520" y="914400"/>
-            <a:ext cx="3656880" cy="456480"/>
+            <a:ext cx="3656520" cy="456120"/>
           </a:xfrm>
           <a:prstGeom prst="rect">
             <a:avLst/>
@@ -12007,7 +11827,7 @@
         <p:spPr>
           <a:xfrm>
             <a:off x="731520" y="960120"/>
-            <a:ext cx="3656880" cy="365040"/>
+            <a:ext cx="3656520" cy="364680"/>
           </a:xfrm>
           <a:prstGeom prst="rect">
             <a:avLst/>
@@ -12062,7 +11882,7 @@
         <p:spPr>
           <a:xfrm>
             <a:off x="731520" y="1463040"/>
-            <a:ext cx="3656880" cy="1645200"/>
+            <a:ext cx="3656520" cy="1644840"/>
           </a:xfrm>
           <a:prstGeom prst="rect">
             <a:avLst/>
@@ -12090,7 +11910,7 @@
         <p:spPr>
           <a:xfrm>
             <a:off x="914400" y="1600200"/>
-            <a:ext cx="3291120" cy="1370880"/>
+            <a:ext cx="3290760" cy="1370520"/>
           </a:xfrm>
           <a:prstGeom prst="rect">
             <a:avLst/>
@@ -12367,7 +12187,7 @@
         <p:spPr>
           <a:xfrm>
             <a:off x="4754880" y="914400"/>
-            <a:ext cx="3656880" cy="456480"/>
+            <a:ext cx="3656520" cy="456120"/>
           </a:xfrm>
           <a:prstGeom prst="rect">
             <a:avLst/>
@@ -12395,7 +12215,7 @@
         <p:spPr>
           <a:xfrm>
             <a:off x="4754880" y="960120"/>
-            <a:ext cx="3656880" cy="365040"/>
+            <a:ext cx="3656520" cy="364680"/>
           </a:xfrm>
           <a:prstGeom prst="rect">
             <a:avLst/>
@@ -12450,7 +12270,7 @@
         <p:spPr>
           <a:xfrm>
             <a:off x="4754880" y="1463040"/>
-            <a:ext cx="3656880" cy="1645200"/>
+            <a:ext cx="3656520" cy="1644840"/>
           </a:xfrm>
           <a:prstGeom prst="rect">
             <a:avLst/>
@@ -12478,7 +12298,7 @@
         <p:spPr>
           <a:xfrm>
             <a:off x="4937760" y="1600200"/>
-            <a:ext cx="3291120" cy="1370880"/>
+            <a:ext cx="3290760" cy="1370520"/>
           </a:xfrm>
           <a:prstGeom prst="rect">
             <a:avLst/>
@@ -12729,7 +12549,7 @@
         <p:spPr>
           <a:xfrm>
             <a:off x="914400" y="3291840"/>
-            <a:ext cx="7314480" cy="456480"/>
+            <a:ext cx="7314120" cy="456120"/>
           </a:xfrm>
           <a:prstGeom prst="rect">
             <a:avLst/>
@@ -12757,7 +12577,7 @@
         <p:spPr>
           <a:xfrm>
             <a:off x="914400" y="3337560"/>
-            <a:ext cx="7314480" cy="365040"/>
+            <a:ext cx="7314120" cy="364680"/>
           </a:xfrm>
           <a:prstGeom prst="rect">
             <a:avLst/>
@@ -12812,7 +12632,7 @@
         <p:spPr>
           <a:xfrm>
             <a:off x="914400" y="3840480"/>
-            <a:ext cx="7314480" cy="639360"/>
+            <a:ext cx="7314120" cy="639000"/>
           </a:xfrm>
           <a:prstGeom prst="rect">
             <a:avLst/>
@@ -12843,7 +12663,7 @@
         <p:spPr>
           <a:xfrm>
             <a:off x="1188720" y="3931920"/>
-            <a:ext cx="6765840" cy="456480"/>
+            <a:ext cx="6765480" cy="456120"/>
           </a:xfrm>
           <a:prstGeom prst="rect">
             <a:avLst/>
@@ -13017,7 +12837,7 @@
         <p:spPr>
           <a:xfrm>
             <a:off x="457200" y="274320"/>
-            <a:ext cx="8228880" cy="456480"/>
+            <a:ext cx="8228520" cy="456120"/>
           </a:xfrm>
           <a:prstGeom prst="rect">
             <a:avLst/>
@@ -13072,7 +12892,7 @@
         <p:spPr>
           <a:xfrm>
             <a:off x="914400" y="914400"/>
-            <a:ext cx="7314480" cy="639360"/>
+            <a:ext cx="7314120" cy="639000"/>
           </a:xfrm>
           <a:prstGeom prst="rect">
             <a:avLst/>
@@ -13103,7 +12923,7 @@
         <p:spPr>
           <a:xfrm>
             <a:off x="1097280" y="1051560"/>
-            <a:ext cx="6948720" cy="365040"/>
+            <a:ext cx="6948360" cy="364680"/>
           </a:xfrm>
           <a:prstGeom prst="rect">
             <a:avLst/>
@@ -13182,7 +13002,7 @@
         <p:spPr>
           <a:xfrm>
             <a:off x="1371600" y="1737360"/>
-            <a:ext cx="6400080" cy="456480"/>
+            <a:ext cx="6399720" cy="456120"/>
           </a:xfrm>
           <a:prstGeom prst="rect">
             <a:avLst/>
@@ -13210,7 +13030,7 @@
         <p:spPr>
           <a:xfrm>
             <a:off x="1371600" y="1783080"/>
-            <a:ext cx="6400080" cy="365040"/>
+            <a:ext cx="6399720" cy="364680"/>
           </a:xfrm>
           <a:prstGeom prst="rect">
             <a:avLst/>
@@ -13265,7 +13085,7 @@
         <p:spPr>
           <a:xfrm>
             <a:off x="1371600" y="2286000"/>
-            <a:ext cx="6400080" cy="1645200"/>
+            <a:ext cx="6399720" cy="1644840"/>
           </a:xfrm>
           <a:prstGeom prst="rect">
             <a:avLst/>
@@ -13293,7 +13113,7 @@
         <p:spPr>
           <a:xfrm>
             <a:off x="1554480" y="2423160"/>
-            <a:ext cx="6034320" cy="1370880"/>
+            <a:ext cx="6033960" cy="1370520"/>
           </a:xfrm>
           <a:prstGeom prst="rect">
             <a:avLst/>
@@ -13566,7 +13386,7 @@
         <p:spPr>
           <a:xfrm>
             <a:off x="2286000" y="4023360"/>
-            <a:ext cx="4571280" cy="456480"/>
+            <a:ext cx="4570920" cy="456120"/>
           </a:xfrm>
           <a:prstGeom prst="rect">
             <a:avLst/>
@@ -13594,7 +13414,7 @@
         <p:spPr>
           <a:xfrm>
             <a:off x="2468880" y="4114800"/>
-            <a:ext cx="4205520" cy="273600"/>
+            <a:ext cx="4205160" cy="273240"/>
           </a:xfrm>
           <a:prstGeom prst="rect">
             <a:avLst/>
@@ -13758,7 +13578,7 @@
         <p:spPr>
           <a:xfrm>
             <a:off x="457200" y="274320"/>
-            <a:ext cx="8228880" cy="456480"/>
+            <a:ext cx="8228520" cy="456120"/>
           </a:xfrm>
           <a:prstGeom prst="rect">
             <a:avLst/>
@@ -13813,7 +13633,7 @@
         <p:spPr>
           <a:xfrm>
             <a:off x="914400" y="914400"/>
-            <a:ext cx="7314480" cy="639360"/>
+            <a:ext cx="7314120" cy="639000"/>
           </a:xfrm>
           <a:prstGeom prst="rect">
             <a:avLst/>
@@ -13844,7 +13664,7 @@
         <p:spPr>
           <a:xfrm>
             <a:off x="1097280" y="1005840"/>
-            <a:ext cx="6948720" cy="456480"/>
+            <a:ext cx="6948360" cy="456120"/>
           </a:xfrm>
           <a:prstGeom prst="rect">
             <a:avLst/>
@@ -13923,7 +13743,7 @@
         <p:spPr>
           <a:xfrm>
             <a:off x="731520" y="1737360"/>
-            <a:ext cx="3839760" cy="456480"/>
+            <a:ext cx="3839400" cy="456120"/>
           </a:xfrm>
           <a:prstGeom prst="rect">
             <a:avLst/>
@@ -13951,7 +13771,7 @@
         <p:spPr>
           <a:xfrm>
             <a:off x="731520" y="1783080"/>
-            <a:ext cx="3839760" cy="365040"/>
+            <a:ext cx="3839400" cy="364680"/>
           </a:xfrm>
           <a:prstGeom prst="rect">
             <a:avLst/>
@@ -14006,7 +13826,7 @@
         <p:spPr>
           <a:xfrm>
             <a:off x="731520" y="2286000"/>
-            <a:ext cx="3839760" cy="2193840"/>
+            <a:ext cx="3839400" cy="2193480"/>
           </a:xfrm>
           <a:prstGeom prst="rect">
             <a:avLst/>
@@ -14034,7 +13854,7 @@
         <p:spPr>
           <a:xfrm>
             <a:off x="914400" y="2423160"/>
-            <a:ext cx="3474000" cy="1919520"/>
+            <a:ext cx="3473640" cy="1919160"/>
           </a:xfrm>
           <a:prstGeom prst="rect">
             <a:avLst/>
@@ -14305,7 +14125,7 @@
         <p:spPr>
           <a:xfrm>
             <a:off x="4754880" y="1737360"/>
-            <a:ext cx="3474000" cy="456480"/>
+            <a:ext cx="3473640" cy="456120"/>
           </a:xfrm>
           <a:prstGeom prst="rect">
             <a:avLst/>
@@ -14333,7 +14153,7 @@
         <p:spPr>
           <a:xfrm>
             <a:off x="4754880" y="1783080"/>
-            <a:ext cx="3474000" cy="365040"/>
+            <a:ext cx="3473640" cy="364680"/>
           </a:xfrm>
           <a:prstGeom prst="rect">
             <a:avLst/>
@@ -14388,7 +14208,7 @@
         <p:spPr>
           <a:xfrm>
             <a:off x="4754880" y="2377440"/>
-            <a:ext cx="3474000" cy="319320"/>
+            <a:ext cx="3473640" cy="318960"/>
           </a:xfrm>
           <a:prstGeom prst="rect">
             <a:avLst/>
@@ -14419,7 +14239,7 @@
         <p:spPr>
           <a:xfrm>
             <a:off x="4846320" y="2423160"/>
-            <a:ext cx="3291120" cy="227880"/>
+            <a:ext cx="3290760" cy="227520"/>
           </a:xfrm>
           <a:prstGeom prst="rect">
             <a:avLst/>
@@ -14474,7 +14294,7 @@
         <p:spPr>
           <a:xfrm>
             <a:off x="4754880" y="2743200"/>
-            <a:ext cx="3474000" cy="319320"/>
+            <a:ext cx="3473640" cy="318960"/>
           </a:xfrm>
           <a:prstGeom prst="rect">
             <a:avLst/>
@@ -14505,7 +14325,7 @@
         <p:spPr>
           <a:xfrm>
             <a:off x="4846320" y="2788920"/>
-            <a:ext cx="3291120" cy="227880"/>
+            <a:ext cx="3290760" cy="227520"/>
           </a:xfrm>
           <a:prstGeom prst="rect">
             <a:avLst/>
@@ -14560,7 +14380,7 @@
         <p:spPr>
           <a:xfrm>
             <a:off x="4754880" y="3108960"/>
-            <a:ext cx="3474000" cy="319320"/>
+            <a:ext cx="3473640" cy="318960"/>
           </a:xfrm>
           <a:prstGeom prst="rect">
             <a:avLst/>
@@ -14591,7 +14411,7 @@
         <p:spPr>
           <a:xfrm>
             <a:off x="4846320" y="3154680"/>
-            <a:ext cx="3291120" cy="227880"/>
+            <a:ext cx="3290760" cy="227520"/>
           </a:xfrm>
           <a:prstGeom prst="rect">
             <a:avLst/>
@@ -14646,7 +14466,7 @@
         <p:spPr>
           <a:xfrm>
             <a:off x="4754880" y="3474720"/>
-            <a:ext cx="3474000" cy="319320"/>
+            <a:ext cx="3473640" cy="318960"/>
           </a:xfrm>
           <a:prstGeom prst="rect">
             <a:avLst/>
@@ -14677,7 +14497,7 @@
         <p:spPr>
           <a:xfrm>
             <a:off x="4846320" y="3520440"/>
-            <a:ext cx="3291120" cy="227880"/>
+            <a:ext cx="3290760" cy="227520"/>
           </a:xfrm>
           <a:prstGeom prst="rect">
             <a:avLst/>
@@ -14732,7 +14552,7 @@
         <p:spPr>
           <a:xfrm>
             <a:off x="4754880" y="3840480"/>
-            <a:ext cx="3474000" cy="319320"/>
+            <a:ext cx="3473640" cy="318960"/>
           </a:xfrm>
           <a:prstGeom prst="rect">
             <a:avLst/>
@@ -14763,7 +14583,7 @@
         <p:spPr>
           <a:xfrm>
             <a:off x="4846320" y="3886200"/>
-            <a:ext cx="3291120" cy="227880"/>
+            <a:ext cx="3290760" cy="227520"/>
           </a:xfrm>
           <a:prstGeom prst="rect">
             <a:avLst/>
@@ -14818,7 +14638,7 @@
         <p:spPr>
           <a:xfrm>
             <a:off x="4754880" y="4206240"/>
-            <a:ext cx="3474000" cy="319320"/>
+            <a:ext cx="3473640" cy="318960"/>
           </a:xfrm>
           <a:prstGeom prst="rect">
             <a:avLst/>
@@ -14849,7 +14669,7 @@
         <p:spPr>
           <a:xfrm>
             <a:off x="4846320" y="4251960"/>
-            <a:ext cx="3291120" cy="227880"/>
+            <a:ext cx="3290760" cy="227520"/>
           </a:xfrm>
           <a:prstGeom prst="rect">
             <a:avLst/>
@@ -14941,7 +14761,7 @@
         <p:spPr>
           <a:xfrm>
             <a:off x="457200" y="274320"/>
-            <a:ext cx="8228880" cy="456480"/>
+            <a:ext cx="8228520" cy="456120"/>
           </a:xfrm>
           <a:prstGeom prst="rect">
             <a:avLst/>
@@ -14996,7 +14816,7 @@
         <p:spPr>
           <a:xfrm>
             <a:off x="914400" y="914400"/>
-            <a:ext cx="7314480" cy="547920"/>
+            <a:ext cx="7314120" cy="547560"/>
           </a:xfrm>
           <a:prstGeom prst="rect">
             <a:avLst/>
@@ -15027,7 +14847,7 @@
         <p:spPr>
           <a:xfrm>
             <a:off x="1097280" y="1005840"/>
-            <a:ext cx="6948720" cy="365040"/>
+            <a:ext cx="6948360" cy="364680"/>
           </a:xfrm>
           <a:prstGeom prst="rect">
             <a:avLst/>
@@ -15106,7 +14926,7 @@
         <p:spPr>
           <a:xfrm>
             <a:off x="914400" y="1645920"/>
-            <a:ext cx="7314480" cy="227880"/>
+            <a:ext cx="7314120" cy="227520"/>
           </a:xfrm>
           <a:prstGeom prst="rect">
             <a:avLst/>
@@ -15161,7 +14981,7 @@
         <p:spPr>
           <a:xfrm>
             <a:off x="914400" y="1920240"/>
-            <a:ext cx="7314480" cy="776520"/>
+            <a:ext cx="7314120" cy="776160"/>
           </a:xfrm>
           <a:prstGeom prst="rect">
             <a:avLst/>
@@ -15189,7 +15009,7 @@
         <p:spPr>
           <a:xfrm>
             <a:off x="1097280" y="2011680"/>
-            <a:ext cx="6948720" cy="593640"/>
+            <a:ext cx="6948360" cy="593280"/>
           </a:xfrm>
           <a:prstGeom prst="rect">
             <a:avLst/>
@@ -15374,7 +15194,7 @@
         <p:spPr>
           <a:xfrm>
             <a:off x="914400" y="2788920"/>
-            <a:ext cx="7314480" cy="227880"/>
+            <a:ext cx="7314120" cy="227520"/>
           </a:xfrm>
           <a:prstGeom prst="rect">
             <a:avLst/>
@@ -15429,7 +15249,7 @@
         <p:spPr>
           <a:xfrm>
             <a:off x="914400" y="3063240"/>
-            <a:ext cx="7314480" cy="776520"/>
+            <a:ext cx="7314120" cy="776160"/>
           </a:xfrm>
           <a:prstGeom prst="rect">
             <a:avLst/>
@@ -15457,7 +15277,7 @@
         <p:spPr>
           <a:xfrm>
             <a:off x="1097280" y="3154680"/>
-            <a:ext cx="6948720" cy="593640"/>
+            <a:ext cx="6948360" cy="593280"/>
           </a:xfrm>
           <a:prstGeom prst="rect">
             <a:avLst/>
@@ -15652,7 +15472,7 @@
         <p:spPr>
           <a:xfrm>
             <a:off x="914400" y="3931920"/>
-            <a:ext cx="7314480" cy="227880"/>
+            <a:ext cx="7314120" cy="227520"/>
           </a:xfrm>
           <a:prstGeom prst="rect">
             <a:avLst/>
@@ -15707,7 +15527,7 @@
         <p:spPr>
           <a:xfrm>
             <a:off x="914400" y="4206240"/>
-            <a:ext cx="7314480" cy="776520"/>
+            <a:ext cx="7314120" cy="776160"/>
           </a:xfrm>
           <a:prstGeom prst="rect">
             <a:avLst/>
@@ -15735,7 +15555,7 @@
         <p:spPr>
           <a:xfrm>
             <a:off x="1097280" y="4297680"/>
-            <a:ext cx="6948720" cy="593640"/>
+            <a:ext cx="6948360" cy="593280"/>
           </a:xfrm>
           <a:prstGeom prst="rect">
             <a:avLst/>
@@ -15923,7 +15743,7 @@
         <p:spPr>
           <a:xfrm>
             <a:off x="457200" y="274320"/>
-            <a:ext cx="8228880" cy="456480"/>
+            <a:ext cx="8228520" cy="456120"/>
           </a:xfrm>
           <a:prstGeom prst="rect">
             <a:avLst/>
@@ -15978,7 +15798,7 @@
         <p:spPr>
           <a:xfrm>
             <a:off x="914400" y="914400"/>
-            <a:ext cx="7314480" cy="456480"/>
+            <a:ext cx="7314120" cy="456120"/>
           </a:xfrm>
           <a:prstGeom prst="rect">
             <a:avLst/>
@@ -16006,7 +15826,7 @@
         <p:spPr>
           <a:xfrm>
             <a:off x="914400" y="960120"/>
-            <a:ext cx="7314480" cy="365040"/>
+            <a:ext cx="7314120" cy="364680"/>
           </a:xfrm>
           <a:prstGeom prst="rect">
             <a:avLst/>
@@ -16061,7 +15881,7 @@
         <p:spPr>
           <a:xfrm>
             <a:off x="914400" y="1527120"/>
-            <a:ext cx="319320" cy="319320"/>
+            <a:ext cx="318960" cy="318960"/>
           </a:xfrm>
           <a:prstGeom prst="ellipse">
             <a:avLst/>
@@ -16089,7 +15909,7 @@
         <p:spPr>
           <a:xfrm>
             <a:off x="914400" y="1527120"/>
-            <a:ext cx="319320" cy="319320"/>
+            <a:ext cx="318960" cy="318960"/>
           </a:xfrm>
           <a:prstGeom prst="rect">
             <a:avLst/>
@@ -16144,7 +15964,7 @@
         <p:spPr>
           <a:xfrm>
             <a:off x="1371600" y="1554480"/>
-            <a:ext cx="6857280" cy="227880"/>
+            <a:ext cx="6856920" cy="227520"/>
           </a:xfrm>
           <a:prstGeom prst="rect">
             <a:avLst/>
@@ -16199,7 +16019,7 @@
         <p:spPr>
           <a:xfrm>
             <a:off x="1371600" y="1801440"/>
-            <a:ext cx="4114080" cy="365040"/>
+            <a:ext cx="4113720" cy="364680"/>
           </a:xfrm>
           <a:prstGeom prst="rect">
             <a:avLst/>
@@ -16254,7 +16074,7 @@
         <p:spPr>
           <a:xfrm>
             <a:off x="5577840" y="1755720"/>
-            <a:ext cx="2651040" cy="410760"/>
+            <a:ext cx="2650680" cy="410400"/>
           </a:xfrm>
           <a:prstGeom prst="rect">
             <a:avLst/>
@@ -16282,7 +16102,7 @@
         <p:spPr>
           <a:xfrm>
             <a:off x="5669280" y="1801440"/>
-            <a:ext cx="2468160" cy="319320"/>
+            <a:ext cx="2467800" cy="318960"/>
           </a:xfrm>
           <a:prstGeom prst="rect">
             <a:avLst/>
@@ -16361,7 +16181,7 @@
         <p:spPr>
           <a:xfrm>
             <a:off x="914400" y="2304360"/>
-            <a:ext cx="319320" cy="319320"/>
+            <a:ext cx="318960" cy="318960"/>
           </a:xfrm>
           <a:prstGeom prst="ellipse">
             <a:avLst/>
@@ -16389,7 +16209,7 @@
         <p:spPr>
           <a:xfrm>
             <a:off x="914400" y="2304360"/>
-            <a:ext cx="319320" cy="319320"/>
+            <a:ext cx="318960" cy="318960"/>
           </a:xfrm>
           <a:prstGeom prst="rect">
             <a:avLst/>
@@ -16444,7 +16264,7 @@
         <p:spPr>
           <a:xfrm>
             <a:off x="1371600" y="2331720"/>
-            <a:ext cx="6857280" cy="227880"/>
+            <a:ext cx="6856920" cy="227520"/>
           </a:xfrm>
           <a:prstGeom prst="rect">
             <a:avLst/>
@@ -16499,7 +16319,7 @@
         <p:spPr>
           <a:xfrm>
             <a:off x="1371600" y="2578680"/>
-            <a:ext cx="4114080" cy="365040"/>
+            <a:ext cx="4113720" cy="364680"/>
           </a:xfrm>
           <a:prstGeom prst="rect">
             <a:avLst/>
@@ -16554,7 +16374,7 @@
         <p:spPr>
           <a:xfrm>
             <a:off x="5577840" y="2532960"/>
-            <a:ext cx="2651040" cy="410760"/>
+            <a:ext cx="2650680" cy="410400"/>
           </a:xfrm>
           <a:prstGeom prst="rect">
             <a:avLst/>
@@ -16582,7 +16402,7 @@
         <p:spPr>
           <a:xfrm>
             <a:off x="5669280" y="2578680"/>
-            <a:ext cx="2468160" cy="319320"/>
+            <a:ext cx="2467800" cy="318960"/>
           </a:xfrm>
           <a:prstGeom prst="rect">
             <a:avLst/>
@@ -16637,7 +16457,7 @@
         <p:spPr>
           <a:xfrm>
             <a:off x="914400" y="3081600"/>
-            <a:ext cx="319320" cy="319320"/>
+            <a:ext cx="318960" cy="318960"/>
           </a:xfrm>
           <a:prstGeom prst="ellipse">
             <a:avLst/>
@@ -16665,7 +16485,7 @@
         <p:spPr>
           <a:xfrm>
             <a:off x="914400" y="3081600"/>
-            <a:ext cx="319320" cy="319320"/>
+            <a:ext cx="318960" cy="318960"/>
           </a:xfrm>
           <a:prstGeom prst="rect">
             <a:avLst/>
@@ -16720,7 +16540,7 @@
         <p:spPr>
           <a:xfrm>
             <a:off x="1371600" y="3108960"/>
-            <a:ext cx="6857280" cy="227880"/>
+            <a:ext cx="6856920" cy="227520"/>
           </a:xfrm>
           <a:prstGeom prst="rect">
             <a:avLst/>
@@ -16775,7 +16595,7 @@
         <p:spPr>
           <a:xfrm>
             <a:off x="1371600" y="3355920"/>
-            <a:ext cx="4114080" cy="365040"/>
+            <a:ext cx="4113720" cy="364680"/>
           </a:xfrm>
           <a:prstGeom prst="rect">
             <a:avLst/>
@@ -16830,7 +16650,7 @@
         <p:spPr>
           <a:xfrm>
             <a:off x="5577840" y="3310200"/>
-            <a:ext cx="2651040" cy="410760"/>
+            <a:ext cx="2650680" cy="410400"/>
           </a:xfrm>
           <a:prstGeom prst="rect">
             <a:avLst/>
@@ -16858,7 +16678,7 @@
         <p:spPr>
           <a:xfrm>
             <a:off x="5669280" y="3355920"/>
-            <a:ext cx="2468160" cy="319320"/>
+            <a:ext cx="2467800" cy="318960"/>
           </a:xfrm>
           <a:prstGeom prst="rect">
             <a:avLst/>
@@ -16937,7 +16757,7 @@
         <p:spPr>
           <a:xfrm>
             <a:off x="914400" y="3858840"/>
-            <a:ext cx="319320" cy="319320"/>
+            <a:ext cx="318960" cy="318960"/>
           </a:xfrm>
           <a:prstGeom prst="ellipse">
             <a:avLst/>
@@ -16965,7 +16785,7 @@
         <p:spPr>
           <a:xfrm>
             <a:off x="914400" y="3858840"/>
-            <a:ext cx="319320" cy="319320"/>
+            <a:ext cx="318960" cy="318960"/>
           </a:xfrm>
           <a:prstGeom prst="rect">
             <a:avLst/>
@@ -17020,7 +16840,7 @@
         <p:spPr>
           <a:xfrm>
             <a:off x="1371600" y="3886200"/>
-            <a:ext cx="6857280" cy="227880"/>
+            <a:ext cx="6856920" cy="227520"/>
           </a:xfrm>
           <a:prstGeom prst="rect">
             <a:avLst/>
@@ -17075,7 +16895,7 @@
         <p:spPr>
           <a:xfrm>
             <a:off x="1371600" y="4133160"/>
-            <a:ext cx="4114080" cy="365040"/>
+            <a:ext cx="4113720" cy="364680"/>
           </a:xfrm>
           <a:prstGeom prst="rect">
             <a:avLst/>
@@ -17130,7 +16950,7 @@
         <p:spPr>
           <a:xfrm>
             <a:off x="5577840" y="4087440"/>
-            <a:ext cx="2651040" cy="410760"/>
+            <a:ext cx="2650680" cy="410400"/>
           </a:xfrm>
           <a:prstGeom prst="rect">
             <a:avLst/>
@@ -17158,7 +16978,7 @@
         <p:spPr>
           <a:xfrm>
             <a:off x="5669280" y="4133160"/>
-            <a:ext cx="2468160" cy="319320"/>
+            <a:ext cx="2467800" cy="318960"/>
           </a:xfrm>
           <a:prstGeom prst="rect">
             <a:avLst/>
